--- a/Customer Analysis ppt.pptx
+++ b/Customer Analysis ppt.pptx
@@ -3327,7 +3327,7 @@
           <p:cNvPr id="0" name="slide1">
             <a:extLst>
               <a:ext uri="{FF2B5EF4-FFF2-40B4-BE49-F238E27FC236}">
-                <a16:creationId xmlns:a16="http://schemas.microsoft.com/office/drawing/2014/main" id="{8BB877D4-7514-415F-9C65-EF8057BD08E2}"/>
+                <a16:creationId xmlns:a16="http://schemas.microsoft.com/office/drawing/2014/main" id="{C1E6AF0D-995D-4D8C-94E8-74BEFD69F1C1}"/>
               </a:ext>
             </a:extLst>
           </p:cNvPr>
@@ -3355,7 +3355,7 @@
           <p:cNvPr id="1" name="slide1">
             <a:extLst>
               <a:ext uri="{FF2B5EF4-FFF2-40B4-BE49-F238E27FC236}">
-                <a16:creationId xmlns:a16="http://schemas.microsoft.com/office/drawing/2014/main" id="{7517C718-7DC1-438D-BBC6-30520C9E8F76}"/>
+                <a16:creationId xmlns:a16="http://schemas.microsoft.com/office/drawing/2014/main" id="{AE791315-3D6F-4802-888B-051E0B276735}"/>
               </a:ext>
             </a:extLst>
           </p:cNvPr>
@@ -3373,7 +3373,7 @@
           <a:p>
             <a:r>
               <a:rPr/>
-              <a:t>File created on: 05-08-2022 20:35:06</a:t>
+              <a:t>File created on: 05-08-2022 20:45:17</a:t>
             </a:r>
           </a:p>
         </p:txBody>
@@ -3413,7 +3413,7 @@
           <p:cNvPr descr="Dashboard 1" id="2" name="slide2">
             <a:extLst>
               <a:ext uri="{FF2B5EF4-FFF2-40B4-BE49-F238E27FC236}">
-                <a16:creationId xmlns:a16="http://schemas.microsoft.com/office/drawing/2014/main" id="{DADD1FA9-7354-4752-9A60-420F59FCC4DD}"/>
+                <a16:creationId xmlns:a16="http://schemas.microsoft.com/office/drawing/2014/main" id="{1387A056-2985-4231-94B2-DE2AA778F16C}"/>
               </a:ext>
             </a:extLst>
           </p:cNvPr>
